--- a/courses/sehci/assignment1.pptx
+++ b/courses/sehci/assignment1.pptx
@@ -5,10 +5,10 @@
     <p:sldMasterId id="2147483816" r:id="rId1"/>
   </p:sldMasterIdLst>
   <p:notesMasterIdLst>
-    <p:notesMasterId r:id="rId8"/>
+    <p:notesMasterId r:id="rId7"/>
   </p:notesMasterIdLst>
   <p:handoutMasterIdLst>
-    <p:handoutMasterId r:id="rId9"/>
+    <p:handoutMasterId r:id="rId8"/>
   </p:handoutMasterIdLst>
   <p:sldIdLst>
     <p:sldId id="256" r:id="rId2"/>
@@ -16,7 +16,6 @@
     <p:sldId id="345" r:id="rId4"/>
     <p:sldId id="346" r:id="rId5"/>
     <p:sldId id="348" r:id="rId6"/>
-    <p:sldId id="347" r:id="rId7"/>
   </p:sldIdLst>
   <p:sldSz cx="9144000" cy="6858000" type="screen4x3"/>
   <p:notesSz cx="6858000" cy="9144000"/>
@@ -247,7 +246,7 @@
             <a:fld id="{CB44B6B1-5441-9644-AE1C-BB7EA5DBA264}" type="datetimeFigureOut">
               <a:rPr lang="en-US" smtClean="0"/>
               <a:pPr/>
-              <a:t>9/20/17</a:t>
+              <a:t>10/28/17</a:t>
             </a:fld>
             <a:endParaRPr lang="en-US"/>
           </a:p>
@@ -415,7 +414,7 @@
             <a:fld id="{41878819-472C-A14B-95BF-39C94BA106B2}" type="datetimeFigureOut">
               <a:rPr lang="en-US" smtClean="0"/>
               <a:pPr/>
-              <a:t>9/20/17</a:t>
+              <a:t>10/28/17</a:t>
             </a:fld>
             <a:endParaRPr lang="en-US"/>
           </a:p>
@@ -687,6 +686,91 @@
 </p:notesMaster>
 </file>
 
+<file path=ppt/notesSlides/notesSlide1.xml><?xml version="1.0" encoding="utf-8"?>
+<p:notes xmlns:a="http://schemas.openxmlformats.org/drawingml/2006/main" xmlns:r="http://schemas.openxmlformats.org/officeDocument/2006/relationships" xmlns:p="http://schemas.openxmlformats.org/presentationml/2006/main">
+  <p:cSld>
+    <p:spTree>
+      <p:nvGrpSpPr>
+        <p:cNvPr id="1" name=""/>
+        <p:cNvGrpSpPr/>
+        <p:nvPr/>
+      </p:nvGrpSpPr>
+      <p:grpSpPr>
+        <a:xfrm>
+          <a:off x="0" y="0"/>
+          <a:ext cx="0" cy="0"/>
+          <a:chOff x="0" y="0"/>
+          <a:chExt cx="0" cy="0"/>
+        </a:xfrm>
+      </p:grpSpPr>
+      <p:sp>
+        <p:nvSpPr>
+          <p:cNvPr id="2" name="Slide Image Placeholder 1"/>
+          <p:cNvSpPr>
+            <a:spLocks noGrp="1" noRot="1" noChangeAspect="1"/>
+          </p:cNvSpPr>
+          <p:nvPr>
+            <p:ph type="sldImg"/>
+          </p:nvPr>
+        </p:nvSpPr>
+        <p:spPr/>
+      </p:sp>
+      <p:sp>
+        <p:nvSpPr>
+          <p:cNvPr id="3" name="Notes Placeholder 2"/>
+          <p:cNvSpPr>
+            <a:spLocks noGrp="1"/>
+          </p:cNvSpPr>
+          <p:nvPr>
+            <p:ph type="body" idx="1"/>
+          </p:nvPr>
+        </p:nvSpPr>
+        <p:spPr/>
+        <p:txBody>
+          <a:bodyPr/>
+          <a:lstStyle/>
+          <a:p>
+            <a:endParaRPr lang="en-US" dirty="0"/>
+          </a:p>
+        </p:txBody>
+      </p:sp>
+      <p:sp>
+        <p:nvSpPr>
+          <p:cNvPr id="4" name="Slide Number Placeholder 3"/>
+          <p:cNvSpPr>
+            <a:spLocks noGrp="1"/>
+          </p:cNvSpPr>
+          <p:nvPr>
+            <p:ph type="sldNum" sz="quarter" idx="10"/>
+          </p:nvPr>
+        </p:nvSpPr>
+        <p:spPr/>
+        <p:txBody>
+          <a:bodyPr/>
+          <a:lstStyle/>
+          <a:p>
+            <a:fld id="{CB4F38C2-4548-F541-8261-4C1D96E7A166}" type="slidenum">
+              <a:rPr lang="en-US" smtClean="0"/>
+              <a:pPr/>
+              <a:t>5</a:t>
+            </a:fld>
+            <a:endParaRPr lang="en-US"/>
+          </a:p>
+        </p:txBody>
+      </p:sp>
+    </p:spTree>
+    <p:extLst>
+      <p:ext uri="{BB962C8B-B14F-4D97-AF65-F5344CB8AC3E}">
+        <p14:creationId xmlns:p14="http://schemas.microsoft.com/office/powerpoint/2010/main" val="384742840"/>
+      </p:ext>
+    </p:extLst>
+  </p:cSld>
+  <p:clrMapOvr>
+    <a:masterClrMapping/>
+  </p:clrMapOvr>
+</p:notes>
+</file>
+
 <file path=ppt/slideLayouts/slideLayout1.xml><?xml version="1.0" encoding="utf-8"?>
 <p:sldLayout xmlns:a="http://schemas.openxmlformats.org/drawingml/2006/main" xmlns:r="http://schemas.openxmlformats.org/officeDocument/2006/relationships" xmlns:p="http://schemas.openxmlformats.org/presentationml/2006/main" type="title" preserve="1">
   <p:cSld name="Title Slide">
@@ -871,7 +955,7 @@
           <a:p>
             <a:r>
               <a:rPr lang="en-US" dirty="0" smtClean="0"/>
-              <a:t>Lecture 1: Course Introduction</a:t>
+              <a:t>Assignment 1: description</a:t>
             </a:r>
             <a:endParaRPr lang="en-US" dirty="0"/>
           </a:p>
@@ -1108,7 +1192,7 @@
             </a:pPr>
             <a:r>
               <a:rPr lang="en-US" dirty="0" smtClean="0"/>
-              <a:t>Lecture 1: Course Introduction</a:t>
+              <a:t>Assignment 1: description</a:t>
             </a:r>
             <a:endParaRPr lang="en-US" dirty="0"/>
           </a:p>
@@ -1345,7 +1429,7 @@
             </a:pPr>
             <a:r>
               <a:rPr lang="en-US" dirty="0" smtClean="0"/>
-              <a:t>Lecture 1: Course Introduction</a:t>
+              <a:t>Assignment 1: description</a:t>
             </a:r>
             <a:endParaRPr lang="en-US" dirty="0"/>
           </a:p>
@@ -1593,7 +1677,7 @@
           <a:p>
             <a:r>
               <a:rPr lang="en-US" dirty="0" smtClean="0"/>
-              <a:t>Lecture 1: Course Introduction</a:t>
+              <a:t>Assignment 1: description</a:t>
             </a:r>
             <a:endParaRPr lang="en-US" dirty="0"/>
           </a:p>
@@ -1904,7 +1988,7 @@
             </a:pPr>
             <a:r>
               <a:rPr lang="en-US" dirty="0" smtClean="0"/>
-              <a:t>Lecture 1: Course Introduction</a:t>
+              <a:t>Assignment 1: description</a:t>
             </a:r>
             <a:endParaRPr lang="en-US" dirty="0"/>
           </a:p>
@@ -2255,7 +2339,7 @@
             </a:pPr>
             <a:r>
               <a:rPr lang="en-US" dirty="0" smtClean="0"/>
-              <a:t>Lecture 1: Course Introduction</a:t>
+              <a:t>Assignment 1: description</a:t>
             </a:r>
             <a:endParaRPr lang="en-US" dirty="0"/>
           </a:p>
@@ -2746,7 +2830,7 @@
             </a:pPr>
             <a:r>
               <a:rPr lang="en-US" dirty="0" smtClean="0"/>
-              <a:t>Lecture 1: Course Introduction</a:t>
+              <a:t>Assignment 1: description</a:t>
             </a:r>
             <a:endParaRPr lang="en-US" dirty="0"/>
           </a:p>
@@ -2921,7 +3005,7 @@
             </a:pPr>
             <a:r>
               <a:rPr lang="en-US" dirty="0" smtClean="0"/>
-              <a:t>Lecture 1: Course Introduction</a:t>
+              <a:t>Assignment 1: description</a:t>
             </a:r>
             <a:endParaRPr lang="en-US" dirty="0"/>
           </a:p>
@@ -3070,7 +3154,7 @@
             </a:pPr>
             <a:r>
               <a:rPr lang="en-US" dirty="0" smtClean="0"/>
-              <a:t>Lecture 1: Course Introduction</a:t>
+              <a:t>Assignment 1: description</a:t>
             </a:r>
             <a:endParaRPr lang="en-US" dirty="0"/>
           </a:p>
@@ -3407,7 +3491,7 @@
             </a:pPr>
             <a:r>
               <a:rPr lang="en-US" dirty="0" smtClean="0"/>
-              <a:t>Lecture 1: Course Introduction</a:t>
+              <a:t>Assignment 1: description</a:t>
             </a:r>
             <a:endParaRPr lang="en-US" dirty="0"/>
           </a:p>
@@ -3725,7 +3809,7 @@
             </a:pPr>
             <a:r>
               <a:rPr lang="en-US" dirty="0" smtClean="0"/>
-              <a:t>Lecture 1: Course Introduction</a:t>
+              <a:t>Assignment 1: description</a:t>
             </a:r>
             <a:endParaRPr lang="en-US" dirty="0"/>
           </a:p>
@@ -4004,7 +4088,7 @@
           <a:p>
             <a:r>
               <a:rPr lang="en-US" dirty="0" smtClean="0"/>
-              <a:t>Lecture 1: Course Introduction</a:t>
+              <a:t>Assignment 1: description</a:t>
             </a:r>
             <a:endParaRPr lang="en-US" dirty="0"/>
           </a:p>
@@ -4665,7 +4749,7 @@
           <a:p>
             <a:r>
               <a:rPr lang="en-US" dirty="0" smtClean="0"/>
-              <a:t>Lecture 1: Course Introduction</a:t>
+              <a:t>Assignment 1: description</a:t>
             </a:r>
             <a:endParaRPr lang="en-US" dirty="0"/>
           </a:p>
@@ -4773,23 +4857,7 @@
                   <a:schemeClr val="folHlink"/>
                 </a:solidFill>
               </a:rPr>
-              <a:t>Complete Rails Tutorials in </a:t>
-            </a:r>
-            <a:r>
-              <a:rPr lang="en-US" b="1" dirty="0" smtClean="0">
-                <a:solidFill>
-                  <a:schemeClr val="folHlink"/>
-                </a:solidFill>
-              </a:rPr>
-              <a:t>Agile/Scrum </a:t>
-            </a:r>
-            <a:r>
-              <a:rPr lang="en-US" b="1" dirty="0" smtClean="0">
-                <a:solidFill>
-                  <a:schemeClr val="folHlink"/>
-                </a:solidFill>
-              </a:rPr>
-              <a:t>Manner</a:t>
+              <a:t>Complete Rails Tutorials in Agile/Scrum Manner</a:t>
             </a:r>
           </a:p>
           <a:p>
@@ -4867,8 +4935,8 @@
           <a:lstStyle/>
           <a:p>
             <a:r>
-              <a:rPr lang="en-US" dirty="0" smtClean="0"/>
-              <a:t>Lecture 1: Course Introduction</a:t>
+              <a:rPr lang="en-US" smtClean="0"/>
+              <a:t>Assignment1 description</a:t>
             </a:r>
             <a:endParaRPr lang="en-US" dirty="0"/>
           </a:p>
@@ -5105,7 +5173,7 @@
           <a:p>
             <a:r>
               <a:rPr lang="en-US" dirty="0" smtClean="0"/>
-              <a:t>Lecture 1: Course Introduction</a:t>
+              <a:t>Assignment 1: description</a:t>
             </a:r>
             <a:endParaRPr lang="en-US" dirty="0"/>
           </a:p>
@@ -5350,7 +5418,7 @@
           <a:p>
             <a:r>
               <a:rPr lang="en-US" dirty="0" smtClean="0"/>
-              <a:t>Lecture 1: Course Introduction</a:t>
+              <a:t>Assignment 1: description</a:t>
             </a:r>
             <a:endParaRPr lang="en-US" dirty="0"/>
           </a:p>
@@ -5615,7 +5683,7 @@
           <a:p>
             <a:r>
               <a:rPr lang="en-US" dirty="0" smtClean="0"/>
-              <a:t>Lecture 1: Course Introduction</a:t>
+              <a:t>Assignment 1: description</a:t>
             </a:r>
             <a:endParaRPr lang="en-US" dirty="0"/>
           </a:p>
@@ -5671,153 +5739,6 @@
     <p:extLst>
       <p:ext uri="{BB962C8B-B14F-4D97-AF65-F5344CB8AC3E}">
         <p14:creationId xmlns:p14="http://schemas.microsoft.com/office/powerpoint/2010/main" val="2276729070"/>
-      </p:ext>
-    </p:extLst>
-  </p:cSld>
-  <p:clrMapOvr>
-    <a:masterClrMapping/>
-  </p:clrMapOvr>
-  <p:transition spd="med">
-    <p:wipe dir="r"/>
-  </p:transition>
-  <p:timing>
-    <p:tnLst>
-      <p:par>
-        <p:cTn id="1" dur="indefinite" restart="never" nodeType="tmRoot"/>
-      </p:par>
-    </p:tnLst>
-  </p:timing>
-</p:sld>
-</file>
-
-<file path=ppt/slides/slide6.xml><?xml version="1.0" encoding="utf-8"?>
-<p:sld xmlns:a="http://schemas.openxmlformats.org/drawingml/2006/main" xmlns:r="http://schemas.openxmlformats.org/officeDocument/2006/relationships" xmlns:p="http://schemas.openxmlformats.org/presentationml/2006/main">
-  <p:cSld>
-    <p:spTree>
-      <p:nvGrpSpPr>
-        <p:cNvPr id="1" name=""/>
-        <p:cNvGrpSpPr/>
-        <p:nvPr/>
-      </p:nvGrpSpPr>
-      <p:grpSpPr>
-        <a:xfrm>
-          <a:off x="0" y="0"/>
-          <a:ext cx="0" cy="0"/>
-          <a:chOff x="0" y="0"/>
-          <a:chExt cx="0" cy="0"/>
-        </a:xfrm>
-      </p:grpSpPr>
-      <p:sp>
-        <p:nvSpPr>
-          <p:cNvPr id="2" name="Title 1"/>
-          <p:cNvSpPr>
-            <a:spLocks noGrp="1"/>
-          </p:cNvSpPr>
-          <p:nvPr>
-            <p:ph type="title"/>
-          </p:nvPr>
-        </p:nvSpPr>
-        <p:spPr/>
-        <p:txBody>
-          <a:bodyPr/>
-          <a:lstStyle/>
-          <a:p>
-            <a:endParaRPr lang="en-US" dirty="0"/>
-          </a:p>
-        </p:txBody>
-      </p:sp>
-      <p:sp>
-        <p:nvSpPr>
-          <p:cNvPr id="3" name="Content Placeholder 2"/>
-          <p:cNvSpPr>
-            <a:spLocks noGrp="1"/>
-          </p:cNvSpPr>
-          <p:nvPr>
-            <p:ph idx="1"/>
-          </p:nvPr>
-        </p:nvSpPr>
-        <p:spPr/>
-        <p:txBody>
-          <a:bodyPr/>
-          <a:lstStyle/>
-          <a:p>
-            <a:endParaRPr lang="en-US"/>
-          </a:p>
-        </p:txBody>
-      </p:sp>
-      <p:sp>
-        <p:nvSpPr>
-          <p:cNvPr id="4" name="Footer Placeholder 3"/>
-          <p:cNvSpPr>
-            <a:spLocks noGrp="1"/>
-          </p:cNvSpPr>
-          <p:nvPr>
-            <p:ph type="ftr" sz="quarter" idx="10"/>
-          </p:nvPr>
-        </p:nvSpPr>
-        <p:spPr/>
-        <p:txBody>
-          <a:bodyPr/>
-          <a:lstStyle/>
-          <a:p>
-            <a:r>
-              <a:rPr lang="en-US" smtClean="0"/>
-              <a:t>Lecture 1: Course Introduction</a:t>
-            </a:r>
-            <a:endParaRPr lang="en-US" dirty="0"/>
-          </a:p>
-        </p:txBody>
-      </p:sp>
-      <p:sp>
-        <p:nvSpPr>
-          <p:cNvPr id="5" name="Date Placeholder 4"/>
-          <p:cNvSpPr>
-            <a:spLocks noGrp="1"/>
-          </p:cNvSpPr>
-          <p:nvPr>
-            <p:ph type="dt" sz="half" idx="11"/>
-          </p:nvPr>
-        </p:nvSpPr>
-        <p:spPr/>
-        <p:txBody>
-          <a:bodyPr/>
-          <a:lstStyle/>
-          <a:p>
-            <a:r>
-              <a:rPr lang="mr-IN" smtClean="0"/>
-              <a:t>23/08/2017</a:t>
-            </a:r>
-            <a:endParaRPr lang="en-US" dirty="0"/>
-          </a:p>
-        </p:txBody>
-      </p:sp>
-      <p:sp>
-        <p:nvSpPr>
-          <p:cNvPr id="6" name="Slide Number Placeholder 5"/>
-          <p:cNvSpPr>
-            <a:spLocks noGrp="1"/>
-          </p:cNvSpPr>
-          <p:nvPr>
-            <p:ph type="sldNum" sz="quarter" idx="12"/>
-          </p:nvPr>
-        </p:nvSpPr>
-        <p:spPr/>
-        <p:txBody>
-          <a:bodyPr/>
-          <a:lstStyle/>
-          <a:p>
-            <a:fld id="{1D5CD492-2BC6-F348-9965-EC1D86DF57A8}" type="slidenum">
-              <a:rPr lang="en-US" smtClean="0"/>
-              <a:t>6</a:t>
-            </a:fld>
-            <a:endParaRPr lang="en-US"/>
-          </a:p>
-        </p:txBody>
-      </p:sp>
-    </p:spTree>
-    <p:extLst>
-      <p:ext uri="{BB962C8B-B14F-4D97-AF65-F5344CB8AC3E}">
-        <p14:creationId xmlns:p14="http://schemas.microsoft.com/office/powerpoint/2010/main" val="1911417541"/>
       </p:ext>
     </p:extLst>
   </p:cSld>
